--- a/PWA.pptx
+++ b/PWA.pptx
@@ -135,6 +135,18 @@
 </p:presentation>
 </file>
 
+<file path=ppt/commentAuthors.xml><?xml version="1.0" encoding="utf-8"?>
+<p:cmAuthorLst xmlns:a="http://schemas.openxmlformats.org/drawingml/2006/main" xmlns:r="http://schemas.openxmlformats.org/officeDocument/2006/relationships" xmlns:p="http://schemas.openxmlformats.org/presentationml/2006/main">
+  <p:cmAuthor id="1" name="THANH NGUYỄN" initials="TN" lastIdx="0" clrIdx="0">
+    <p:extLst>
+      <p:ext uri="{19B8F6BF-5375-455C-9EA6-DF929625EA0E}">
+        <p15:presenceInfo xmlns:p15="http://schemas.microsoft.com/office/powerpoint/2012/main" userId="1780e86e898d2dd5" providerId="Windows Live"/>
+      </p:ext>
+    </p:extLst>
+  </p:cmAuthor>
+</p:cmAuthorLst>
+</file>
+
 <file path=ppt/handoutMasters/handoutMaster1.xml><?xml version="1.0" encoding="utf-8"?>
 <p:handoutMaster xmlns:a="http://schemas.openxmlformats.org/drawingml/2006/main" xmlns:r="http://schemas.openxmlformats.org/officeDocument/2006/relationships" xmlns:p="http://schemas.openxmlformats.org/presentationml/2006/main">
   <p:cSld>
@@ -217,7 +229,7 @@
           <a:p>
             <a:fld id="{B022DBEA-EE3A-4B0A-915A-810FF933FB64}" type="datetimeFigureOut">
               <a:rPr lang="en-US" smtClean="0"/>
-              <a:t>10/21/2021</a:t>
+              <a:t>10/27/2021</a:t>
             </a:fld>
             <a:endParaRPr lang="en-US"/>
           </a:p>
@@ -382,7 +394,7 @@
           <a:p>
             <a:fld id="{61C8FCDB-BE53-44BA-979A-5E94F7DDB6DD}" type="datetimeFigureOut">
               <a:rPr lang="en-US" smtClean="0"/>
-              <a:t>10/21/2021</a:t>
+              <a:t>10/27/2021</a:t>
             </a:fld>
             <a:endParaRPr lang="en-US"/>
           </a:p>
@@ -781,7 +793,7 @@
           <a:p>
             <a:fld id="{E6A23818-0120-40C0-9B6F-4D2E2CC91687}" type="datetime1">
               <a:rPr lang="en-US" smtClean="0"/>
-              <a:t>10/21/2021</a:t>
+              <a:t>10/27/2021</a:t>
             </a:fld>
             <a:endParaRPr lang="en-US"/>
           </a:p>
@@ -906,7 +918,7 @@
           <a:p>
             <a:fld id="{1190B13A-0FC6-4FF4-BB23-F82987CD02CC}" type="datetime1">
               <a:rPr lang="en-US" smtClean="0"/>
-              <a:t>10/21/2021</a:t>
+              <a:t>10/27/2021</a:t>
             </a:fld>
             <a:endParaRPr lang="en-US"/>
           </a:p>
@@ -1001,7 +1013,7 @@
           <a:p>
             <a:fld id="{4437262F-1D0E-48C4-8274-0357ED224122}" type="datetime1">
               <a:rPr lang="en-US" smtClean="0"/>
-              <a:t>10/21/2021</a:t>
+              <a:t>10/27/2021</a:t>
             </a:fld>
             <a:endParaRPr lang="en-US"/>
           </a:p>
@@ -1279,7 +1291,7 @@
           <a:p>
             <a:fld id="{3F09C80C-2C1C-415E-88D4-3A5F45050453}" type="datetime1">
               <a:rPr lang="en-US" smtClean="0"/>
-              <a:t>10/21/2021</a:t>
+              <a:t>10/27/2021</a:t>
             </a:fld>
             <a:endParaRPr lang="en-US"/>
           </a:p>
@@ -1534,7 +1546,7 @@
           <a:p>
             <a:fld id="{360F2A13-598B-4051-90F5-9D8750BB568E}" type="datetime1">
               <a:rPr lang="en-US" smtClean="0"/>
-              <a:t>10/21/2021</a:t>
+              <a:t>10/27/2021</a:t>
             </a:fld>
             <a:endParaRPr lang="en-US"/>
           </a:p>
@@ -1710,7 +1722,7 @@
           <a:p>
             <a:fld id="{10B06125-60C4-4951-9C4D-E59146644AF9}" type="datetime1">
               <a:rPr lang="en-US" smtClean="0"/>
-              <a:t>10/21/2021</a:t>
+              <a:t>10/27/2021</a:t>
             </a:fld>
             <a:endParaRPr lang="en-US"/>
           </a:p>
@@ -1891,7 +1903,7 @@
           <a:p>
             <a:fld id="{5BE38888-376B-4C4B-82F8-21060BC798B2}" type="datetime1">
               <a:rPr lang="en-US" smtClean="0"/>
-              <a:t>10/21/2021</a:t>
+              <a:t>10/27/2021</a:t>
             </a:fld>
             <a:endParaRPr lang="en-US"/>
           </a:p>
@@ -1986,7 +1998,7 @@
           <a:p>
             <a:fld id="{0B1B4C37-E6BB-4F40-90A1-470B60FFBB51}" type="datetime1">
               <a:rPr lang="en-US" smtClean="0"/>
-              <a:t>10/21/2021</a:t>
+              <a:t>10/27/2021</a:t>
             </a:fld>
             <a:endParaRPr lang="en-US"/>
           </a:p>
@@ -2247,7 +2259,7 @@
           <a:p>
             <a:fld id="{8B07B8A0-DAAE-4DBA-810F-7DAA250CE9C6}" type="datetime1">
               <a:rPr lang="en-US" smtClean="0"/>
-              <a:t>10/21/2021</a:t>
+              <a:t>10/27/2021</a:t>
             </a:fld>
             <a:endParaRPr lang="en-US"/>
           </a:p>
@@ -2785,7 +2797,7 @@
           <a:p>
             <a:fld id="{A7EDF137-D49A-452A-8DFB-E8CDF1941BBF}" type="datetime1">
               <a:rPr lang="en-US" smtClean="0"/>
-              <a:t>10/21/2021</a:t>
+              <a:t>10/27/2021</a:t>
             </a:fld>
             <a:endParaRPr lang="en-US"/>
           </a:p>
@@ -3517,7 +3529,7 @@
           <a:p>
             <a:fld id="{CDA911F9-6006-471B-B8B8-0B69CDBBF1D7}" type="datetime1">
               <a:rPr lang="en-US" smtClean="0"/>
-              <a:t>10/21/2021</a:t>
+              <a:t>10/27/2021</a:t>
             </a:fld>
             <a:endParaRPr lang="en-US"/>
           </a:p>
@@ -4866,7 +4878,7 @@
           <a:p>
             <a:fld id="{460FEF61-0E8B-4A4D-92B4-9E7566C7A488}" type="datetime1">
               <a:rPr lang="en-US" smtClean="0"/>
-              <a:t>10/21/2021</a:t>
+              <a:t>10/27/2021</a:t>
             </a:fld>
             <a:endParaRPr lang="en-US"/>
           </a:p>
@@ -5051,7 +5063,7 @@
           <a:p>
             <a:fld id="{F79268A2-2CA2-431F-BFBD-285CD812FF60}" type="datetime1">
               <a:rPr lang="en-US" smtClean="0"/>
-              <a:t>10/21/2021</a:t>
+              <a:t>10/27/2021</a:t>
             </a:fld>
             <a:endParaRPr lang="en-US"/>
           </a:p>
@@ -6488,7 +6500,7 @@
           <a:p>
             <a:fld id="{2156C429-C349-4B18-870E-78BF3CEFEDA6}" type="datetime1">
               <a:rPr lang="en-US" smtClean="0"/>
-              <a:t>10/21/2021</a:t>
+              <a:t>10/27/2021</a:t>
             </a:fld>
             <a:endParaRPr lang="en-US"/>
           </a:p>
@@ -6855,7 +6867,7 @@
           <a:p>
             <a:fld id="{21A3766D-EF72-4B74-A266-1E52B085F0D8}" type="datetime1">
               <a:rPr lang="en-US" smtClean="0"/>
-              <a:t>10/21/2021</a:t>
+              <a:t>10/27/2021</a:t>
             </a:fld>
             <a:endParaRPr lang="en-US"/>
           </a:p>
@@ -7064,7 +7076,7 @@
           <a:p>
             <a:fld id="{DF57D46B-194B-4A34-9F9B-BF345DB87F69}" type="datetime1">
               <a:rPr lang="en-US" smtClean="0"/>
-              <a:t>10/21/2021</a:t>
+              <a:t>10/27/2021</a:t>
             </a:fld>
             <a:endParaRPr lang="en-US"/>
           </a:p>
@@ -12581,7 +12593,7 @@
         </p:nvSpPr>
         <p:spPr>
           <a:xfrm>
-            <a:off x="1017766" y="1798983"/>
+            <a:off x="997887" y="1232453"/>
             <a:ext cx="10660711" cy="3205406"/>
           </a:xfrm>
           <a:prstGeom prst="rect">
@@ -12765,16 +12777,16 @@
               <a:buChar char="Ø"/>
             </a:pPr>
             <a:r>
-              <a:rPr lang="en-US" sz="2400" dirty="0"/>
+              <a:rPr lang="en-US" sz="2000" dirty="0"/>
               <a:t> </a:t>
             </a:r>
             <a:r>
-              <a:rPr lang="en-US" sz="2400" dirty="0">
+              <a:rPr lang="en-US" sz="2000" dirty="0">
                 <a:hlinkClick r:id="rId2"/>
               </a:rPr>
               <a:t>https://web.dev/what-are-pwas/</a:t>
             </a:r>
-            <a:endParaRPr lang="en-US" sz="2400" dirty="0"/>
+            <a:endParaRPr lang="en-US" sz="2000" dirty="0"/>
           </a:p>
           <a:p>
             <a:pPr>
@@ -12787,16 +12799,16 @@
               <a:buChar char="Ø"/>
             </a:pPr>
             <a:r>
-              <a:rPr lang="en-US" sz="2400" dirty="0"/>
+              <a:rPr lang="en-US" sz="2000" dirty="0"/>
               <a:t> </a:t>
             </a:r>
             <a:r>
-              <a:rPr lang="en-US" sz="2400" dirty="0">
+              <a:rPr lang="en-US" sz="2000" dirty="0">
                 <a:hlinkClick r:id="rId3"/>
               </a:rPr>
               <a:t>https://developers.google.com/web/fundamentals/primers/service-workers/</a:t>
             </a:r>
-            <a:endParaRPr lang="en-US" sz="2400" dirty="0"/>
+            <a:endParaRPr lang="en-US" sz="2000" dirty="0"/>
           </a:p>
           <a:p>
             <a:pPr>
@@ -12809,16 +12821,16 @@
               <a:buChar char="Ø"/>
             </a:pPr>
             <a:r>
-              <a:rPr lang="en-US" sz="2400" dirty="0"/>
+              <a:rPr lang="en-US" sz="2000" dirty="0"/>
               <a:t> </a:t>
             </a:r>
             <a:r>
-              <a:rPr lang="en-US" sz="2400" dirty="0">
+              <a:rPr lang="en-US" sz="2000" dirty="0">
                 <a:hlinkClick r:id="rId4"/>
               </a:rPr>
               <a:t>https://developer.mozilla.org/en-US/docs/Web/Manifest</a:t>
             </a:r>
-            <a:endParaRPr lang="en-US" sz="2400" dirty="0"/>
+            <a:endParaRPr lang="en-US" sz="2000" dirty="0"/>
           </a:p>
           <a:p>
             <a:pPr>
@@ -12831,16 +12843,16 @@
               <a:buChar char="Ø"/>
             </a:pPr>
             <a:r>
-              <a:rPr lang="en-US" sz="2400" dirty="0"/>
+              <a:rPr lang="en-US" sz="2000" dirty="0"/>
               <a:t> </a:t>
             </a:r>
             <a:r>
-              <a:rPr lang="en-US" sz="2400" dirty="0">
+              <a:rPr lang="en-US" sz="2000" dirty="0">
                 <a:hlinkClick r:id="rId5"/>
               </a:rPr>
               <a:t>https://developer.mozilla.org/en-US/docs/Web/API/ServiceWorkerGlobalScope</a:t>
             </a:r>
-            <a:endParaRPr lang="en-US" sz="2400" dirty="0"/>
+            <a:endParaRPr lang="en-US" sz="2000" dirty="0"/>
           </a:p>
           <a:p>
             <a:pPr>
@@ -12853,16 +12865,16 @@
               <a:buChar char="Ø"/>
             </a:pPr>
             <a:r>
-              <a:rPr lang="en-US" sz="2400" dirty="0"/>
+              <a:rPr lang="en-US" sz="2000" dirty="0"/>
               <a:t> </a:t>
             </a:r>
             <a:r>
-              <a:rPr lang="en-US" sz="2400" dirty="0">
+              <a:rPr lang="en-US" sz="2000" dirty="0">
                 <a:hlinkClick r:id="rId6"/>
               </a:rPr>
               <a:t>https://developers.google.com/web/fundamentals/push-notifications</a:t>
             </a:r>
-            <a:endParaRPr lang="en-US" sz="2400" dirty="0"/>
+            <a:endParaRPr lang="en-US" sz="2000" dirty="0"/>
           </a:p>
           <a:p>
             <a:pPr>
@@ -12875,22 +12887,22 @@
               <a:buChar char="Ø"/>
             </a:pPr>
             <a:r>
-              <a:rPr lang="en-US" sz="2400" dirty="0"/>
+              <a:rPr lang="en-US" sz="2000" dirty="0"/>
               <a:t> </a:t>
             </a:r>
             <a:r>
-              <a:rPr lang="en-US" sz="2400" dirty="0">
+              <a:rPr lang="en-US" sz="2000" dirty="0">
                 <a:hlinkClick r:id="rId7"/>
               </a:rPr>
               <a:t>https://</a:t>
             </a:r>
             <a:r>
-              <a:rPr lang="en-US" sz="2400" dirty="0" smtClean="0">
+              <a:rPr lang="en-US" sz="2000" dirty="0" smtClean="0">
                 <a:hlinkClick r:id="rId7"/>
               </a:rPr>
               <a:t>en.wikipedia.org/wiki/Progressive_web_application</a:t>
             </a:r>
-            <a:endParaRPr lang="en-US" sz="2400" dirty="0" smtClean="0"/>
+            <a:endParaRPr lang="en-US" sz="2000" dirty="0" smtClean="0"/>
           </a:p>
           <a:p>
             <a:pPr>
@@ -12902,7 +12914,93 @@
               <a:buFont typeface="Wingdings" panose="05000000000000000000" pitchFamily="2" charset="2"/>
               <a:buChar char="Ø"/>
             </a:pPr>
-            <a:endParaRPr lang="en-US" sz="2400" dirty="0"/>
+            <a:r>
+              <a:rPr lang="en-US" sz="2000" dirty="0" smtClean="0"/>
+              <a:t> </a:t>
+            </a:r>
+            <a:r>
+              <a:rPr lang="en-US" sz="2000" dirty="0" smtClean="0">
+                <a:hlinkClick r:id="rId8"/>
+              </a:rPr>
+              <a:t>https</a:t>
+            </a:r>
+            <a:r>
+              <a:rPr lang="en-US" sz="2000" dirty="0">
+                <a:hlinkClick r:id="rId8"/>
+              </a:rPr>
+              <a:t>://</a:t>
+            </a:r>
+            <a:r>
+              <a:rPr lang="en-US" sz="2000" dirty="0" smtClean="0">
+                <a:hlinkClick r:id="rId8"/>
+              </a:rPr>
+              <a:t>developer.mozilla.org/en-US/docs/Web/Progressive_web_apps/Add_to_home_screen</a:t>
+            </a:r>
+            <a:endParaRPr lang="en-US" sz="2000" dirty="0" smtClean="0"/>
+          </a:p>
+          <a:p>
+            <a:pPr>
+              <a:buClr>
+                <a:schemeClr val="accent1">
+                  <a:lumMod val="75000"/>
+                </a:schemeClr>
+              </a:buClr>
+              <a:buFont typeface="Wingdings" panose="05000000000000000000" pitchFamily="2" charset="2"/>
+              <a:buChar char="Ø"/>
+            </a:pPr>
+            <a:r>
+              <a:rPr lang="en-US" sz="2000" dirty="0"/>
+              <a:t> </a:t>
+            </a:r>
+            <a:r>
+              <a:rPr lang="en-US" sz="2000" dirty="0">
+                <a:hlinkClick r:id="rId9"/>
+              </a:rPr>
+              <a:t>https://gravitec.net/blog/can-you-receive-push-notifications-when-browser-not-running</a:t>
+            </a:r>
+            <a:r>
+              <a:rPr lang="en-US" sz="2000" dirty="0" smtClean="0">
+                <a:hlinkClick r:id="rId9"/>
+              </a:rPr>
+              <a:t>/</a:t>
+            </a:r>
+            <a:endParaRPr lang="en-US" sz="2000" dirty="0" smtClean="0"/>
+          </a:p>
+          <a:p>
+            <a:pPr>
+              <a:buClr>
+                <a:schemeClr val="accent1">
+                  <a:lumMod val="75000"/>
+                </a:schemeClr>
+              </a:buClr>
+              <a:buFont typeface="Wingdings" panose="05000000000000000000" pitchFamily="2" charset="2"/>
+              <a:buChar char="Ø"/>
+            </a:pPr>
+            <a:endParaRPr lang="en-US" sz="2000" dirty="0" smtClean="0"/>
+          </a:p>
+          <a:p>
+            <a:pPr>
+              <a:buClr>
+                <a:schemeClr val="accent1">
+                  <a:lumMod val="75000"/>
+                </a:schemeClr>
+              </a:buClr>
+              <a:buFont typeface="Wingdings" panose="05000000000000000000" pitchFamily="2" charset="2"/>
+              <a:buChar char="Ø"/>
+            </a:pPr>
+            <a:endParaRPr lang="en-US" sz="2000" dirty="0" smtClean="0"/>
+          </a:p>
+          <a:p>
+            <a:pPr>
+              <a:buClr>
+                <a:schemeClr val="accent1">
+                  <a:lumMod val="75000"/>
+                </a:schemeClr>
+              </a:buClr>
+              <a:buFont typeface="Wingdings" panose="05000000000000000000" pitchFamily="2" charset="2"/>
+              <a:buChar char="Ø"/>
+            </a:pPr>
+            <a:endParaRPr lang="en-US" sz="2000" dirty="0"/>
           </a:p>
         </p:txBody>
       </p:sp>
@@ -13597,25 +13695,8 @@
                 <a:latin typeface="Arial" panose="020B0604020202020204" pitchFamily="34" charset="0"/>
                 <a:cs typeface="Arial" panose="020B0604020202020204" pitchFamily="34" charset="0"/>
               </a:rPr>
-              <a:t>Browser </a:t>
-            </a:r>
-            <a:r>
-              <a:rPr lang="en-US" sz="2800" b="1" dirty="0">
-                <a:solidFill>
-                  <a:prstClr val="white"/>
-                </a:solidFill>
-                <a:latin typeface="Arial" panose="020B0604020202020204" pitchFamily="34" charset="0"/>
-                <a:cs typeface="Arial" panose="020B0604020202020204" pitchFamily="34" charset="0"/>
-              </a:rPr>
-              <a:t>support</a:t>
-            </a:r>
-            <a:endParaRPr lang="en-US" sz="2800" b="1" dirty="0">
-              <a:solidFill>
-                <a:prstClr val="white"/>
-              </a:solidFill>
-              <a:latin typeface="Arial" panose="020B0604020202020204" pitchFamily="34" charset="0"/>
-              <a:cs typeface="Arial" panose="020B0604020202020204" pitchFamily="34" charset="0"/>
-            </a:endParaRPr>
+              <a:t>Browser support</a:t>
+            </a:r>
           </a:p>
         </p:txBody>
       </p:sp>
@@ -13651,7 +13732,7 @@
           <p:nvPr>
             <p:extLst>
               <p:ext uri="{D42A27DB-BD31-4B8C-83A1-F6EECF244321}">
-                <p14:modId xmlns:p14="http://schemas.microsoft.com/office/powerpoint/2010/main" val="3871920048"/>
+                <p14:modId xmlns:p14="http://schemas.microsoft.com/office/powerpoint/2010/main" val="2391755032"/>
               </p:ext>
             </p:extLst>
           </p:nvPr>
@@ -14332,15 +14413,26 @@
                     <a:p>
                       <a:pPr algn="ctr"/>
                       <a:r>
-                        <a:rPr lang="en-US" dirty="0" smtClean="0"/>
-                        <a:t>No</a:t>
+                        <a:rPr lang="en-US" sz="1800" b="0" i="0" kern="1200" dirty="0" smtClean="0">
+                          <a:solidFill>
+                            <a:schemeClr val="dk1"/>
+                          </a:solidFill>
+                          <a:effectLst/>
+                          <a:latin typeface="+mn-lt"/>
+                          <a:ea typeface="+mn-ea"/>
+                          <a:cs typeface="+mn-cs"/>
+                        </a:rPr>
+                        <a:t>Partial</a:t>
                       </a:r>
                       <a:endParaRPr lang="en-US" dirty="0"/>
                     </a:p>
                   </a:txBody>
                   <a:tcPr>
                     <a:solidFill>
-                      <a:srgbClr val="FF0000"/>
+                      <a:schemeClr val="accent4">
+                        <a:lumMod val="60000"/>
+                        <a:lumOff val="40000"/>
+                      </a:schemeClr>
                     </a:solidFill>
                   </a:tcPr>
                 </a:tc>

--- a/PWA.pptx
+++ b/PWA.pptx
@@ -5,10 +5,10 @@
     <p:sldMasterId id="2147483648" r:id="rId1"/>
   </p:sldMasterIdLst>
   <p:notesMasterIdLst>
-    <p:notesMasterId r:id="rId17"/>
+    <p:notesMasterId r:id="rId18"/>
   </p:notesMasterIdLst>
   <p:handoutMasterIdLst>
-    <p:handoutMasterId r:id="rId18"/>
+    <p:handoutMasterId r:id="rId19"/>
   </p:handoutMasterIdLst>
   <p:sldIdLst>
     <p:sldId id="256" r:id="rId2"/>
@@ -24,8 +24,9 @@
     <p:sldId id="271" r:id="rId12"/>
     <p:sldId id="269" r:id="rId13"/>
     <p:sldId id="272" r:id="rId14"/>
-    <p:sldId id="265" r:id="rId15"/>
-    <p:sldId id="270" r:id="rId16"/>
+    <p:sldId id="274" r:id="rId15"/>
+    <p:sldId id="265" r:id="rId16"/>
+    <p:sldId id="270" r:id="rId17"/>
   </p:sldIdLst>
   <p:sldSz cx="12192000" cy="6858000"/>
   <p:notesSz cx="6858000" cy="9144000"/>
@@ -229,7 +230,7 @@
           <a:p>
             <a:fld id="{B022DBEA-EE3A-4B0A-915A-810FF933FB64}" type="datetimeFigureOut">
               <a:rPr lang="en-US" smtClean="0"/>
-              <a:t>10/27/2021</a:t>
+              <a:t>11/1/2021</a:t>
             </a:fld>
             <a:endParaRPr lang="en-US"/>
           </a:p>
@@ -394,7 +395,7 @@
           <a:p>
             <a:fld id="{61C8FCDB-BE53-44BA-979A-5E94F7DDB6DD}" type="datetimeFigureOut">
               <a:rPr lang="en-US" smtClean="0"/>
-              <a:t>10/27/2021</a:t>
+              <a:t>11/1/2021</a:t>
             </a:fld>
             <a:endParaRPr lang="en-US"/>
           </a:p>
@@ -793,7 +794,7 @@
           <a:p>
             <a:fld id="{E6A23818-0120-40C0-9B6F-4D2E2CC91687}" type="datetime1">
               <a:rPr lang="en-US" smtClean="0"/>
-              <a:t>10/27/2021</a:t>
+              <a:t>11/1/2021</a:t>
             </a:fld>
             <a:endParaRPr lang="en-US"/>
           </a:p>
@@ -918,7 +919,7 @@
           <a:p>
             <a:fld id="{1190B13A-0FC6-4FF4-BB23-F82987CD02CC}" type="datetime1">
               <a:rPr lang="en-US" smtClean="0"/>
-              <a:t>10/27/2021</a:t>
+              <a:t>11/1/2021</a:t>
             </a:fld>
             <a:endParaRPr lang="en-US"/>
           </a:p>
@@ -1013,7 +1014,7 @@
           <a:p>
             <a:fld id="{4437262F-1D0E-48C4-8274-0357ED224122}" type="datetime1">
               <a:rPr lang="en-US" smtClean="0"/>
-              <a:t>10/27/2021</a:t>
+              <a:t>11/1/2021</a:t>
             </a:fld>
             <a:endParaRPr lang="en-US"/>
           </a:p>
@@ -1291,7 +1292,7 @@
           <a:p>
             <a:fld id="{3F09C80C-2C1C-415E-88D4-3A5F45050453}" type="datetime1">
               <a:rPr lang="en-US" smtClean="0"/>
-              <a:t>10/27/2021</a:t>
+              <a:t>11/1/2021</a:t>
             </a:fld>
             <a:endParaRPr lang="en-US"/>
           </a:p>
@@ -1546,7 +1547,7 @@
           <a:p>
             <a:fld id="{360F2A13-598B-4051-90F5-9D8750BB568E}" type="datetime1">
               <a:rPr lang="en-US" smtClean="0"/>
-              <a:t>10/27/2021</a:t>
+              <a:t>11/1/2021</a:t>
             </a:fld>
             <a:endParaRPr lang="en-US"/>
           </a:p>
@@ -1722,7 +1723,7 @@
           <a:p>
             <a:fld id="{10B06125-60C4-4951-9C4D-E59146644AF9}" type="datetime1">
               <a:rPr lang="en-US" smtClean="0"/>
-              <a:t>10/27/2021</a:t>
+              <a:t>11/1/2021</a:t>
             </a:fld>
             <a:endParaRPr lang="en-US"/>
           </a:p>
@@ -1903,7 +1904,7 @@
           <a:p>
             <a:fld id="{5BE38888-376B-4C4B-82F8-21060BC798B2}" type="datetime1">
               <a:rPr lang="en-US" smtClean="0"/>
-              <a:t>10/27/2021</a:t>
+              <a:t>11/1/2021</a:t>
             </a:fld>
             <a:endParaRPr lang="en-US"/>
           </a:p>
@@ -1998,7 +1999,7 @@
           <a:p>
             <a:fld id="{0B1B4C37-E6BB-4F40-90A1-470B60FFBB51}" type="datetime1">
               <a:rPr lang="en-US" smtClean="0"/>
-              <a:t>10/27/2021</a:t>
+              <a:t>11/1/2021</a:t>
             </a:fld>
             <a:endParaRPr lang="en-US"/>
           </a:p>
@@ -2259,7 +2260,7 @@
           <a:p>
             <a:fld id="{8B07B8A0-DAAE-4DBA-810F-7DAA250CE9C6}" type="datetime1">
               <a:rPr lang="en-US" smtClean="0"/>
-              <a:t>10/27/2021</a:t>
+              <a:t>11/1/2021</a:t>
             </a:fld>
             <a:endParaRPr lang="en-US"/>
           </a:p>
@@ -2797,7 +2798,7 @@
           <a:p>
             <a:fld id="{A7EDF137-D49A-452A-8DFB-E8CDF1941BBF}" type="datetime1">
               <a:rPr lang="en-US" smtClean="0"/>
-              <a:t>10/27/2021</a:t>
+              <a:t>11/1/2021</a:t>
             </a:fld>
             <a:endParaRPr lang="en-US"/>
           </a:p>
@@ -3529,7 +3530,7 @@
           <a:p>
             <a:fld id="{CDA911F9-6006-471B-B8B8-0B69CDBBF1D7}" type="datetime1">
               <a:rPr lang="en-US" smtClean="0"/>
-              <a:t>10/27/2021</a:t>
+              <a:t>11/1/2021</a:t>
             </a:fld>
             <a:endParaRPr lang="en-US"/>
           </a:p>
@@ -4878,7 +4879,7 @@
           <a:p>
             <a:fld id="{460FEF61-0E8B-4A4D-92B4-9E7566C7A488}" type="datetime1">
               <a:rPr lang="en-US" smtClean="0"/>
-              <a:t>10/27/2021</a:t>
+              <a:t>11/1/2021</a:t>
             </a:fld>
             <a:endParaRPr lang="en-US"/>
           </a:p>
@@ -5063,7 +5064,7 @@
           <a:p>
             <a:fld id="{F79268A2-2CA2-431F-BFBD-285CD812FF60}" type="datetime1">
               <a:rPr lang="en-US" smtClean="0"/>
-              <a:t>10/27/2021</a:t>
+              <a:t>11/1/2021</a:t>
             </a:fld>
             <a:endParaRPr lang="en-US"/>
           </a:p>
@@ -6500,7 +6501,7 @@
           <a:p>
             <a:fld id="{2156C429-C349-4B18-870E-78BF3CEFEDA6}" type="datetime1">
               <a:rPr lang="en-US" smtClean="0"/>
-              <a:t>10/27/2021</a:t>
+              <a:t>11/1/2021</a:t>
             </a:fld>
             <a:endParaRPr lang="en-US"/>
           </a:p>
@@ -6867,7 +6868,7 @@
           <a:p>
             <a:fld id="{21A3766D-EF72-4B74-A266-1E52B085F0D8}" type="datetime1">
               <a:rPr lang="en-US" smtClean="0"/>
-              <a:t>10/27/2021</a:t>
+              <a:t>11/1/2021</a:t>
             </a:fld>
             <a:endParaRPr lang="en-US"/>
           </a:p>
@@ -7076,7 +7077,7 @@
           <a:p>
             <a:fld id="{DF57D46B-194B-4A34-9F9B-BF345DB87F69}" type="datetime1">
               <a:rPr lang="en-US" smtClean="0"/>
-              <a:t>10/27/2021</a:t>
+              <a:t>11/1/2021</a:t>
             </a:fld>
             <a:endParaRPr lang="en-US"/>
           </a:p>
@@ -11387,6 +11388,323 @@
       </p:grpSpPr>
       <p:sp>
         <p:nvSpPr>
+          <p:cNvPr id="2" name="Title 1"/>
+          <p:cNvSpPr>
+            <a:spLocks noGrp="1"/>
+          </p:cNvSpPr>
+          <p:nvPr>
+            <p:ph type="title"/>
+          </p:nvPr>
+        </p:nvSpPr>
+        <p:spPr/>
+        <p:txBody>
+          <a:bodyPr/>
+          <a:lstStyle/>
+          <a:p>
+            <a:r>
+              <a:rPr lang="en-US" sz="2800" b="1" dirty="0">
+                <a:solidFill>
+                  <a:schemeClr val="bg1"/>
+                </a:solidFill>
+                <a:latin typeface="Arial" panose="020B0604020202020204" pitchFamily="34" charset="0"/>
+                <a:cs typeface="Arial" panose="020B0604020202020204" pitchFamily="34" charset="0"/>
+              </a:rPr>
+              <a:t>Exercise</a:t>
+            </a:r>
+            <a:endParaRPr lang="en-US" sz="2800" b="1" dirty="0">
+              <a:solidFill>
+                <a:schemeClr val="bg1"/>
+              </a:solidFill>
+              <a:latin typeface="Arial" panose="020B0604020202020204" pitchFamily="34" charset="0"/>
+              <a:cs typeface="Arial" panose="020B0604020202020204" pitchFamily="34" charset="0"/>
+            </a:endParaRPr>
+          </a:p>
+        </p:txBody>
+      </p:sp>
+      <p:sp>
+        <p:nvSpPr>
+          <p:cNvPr id="3" name="Slide Number Placeholder 2"/>
+          <p:cNvSpPr>
+            <a:spLocks noGrp="1"/>
+          </p:cNvSpPr>
+          <p:nvPr>
+            <p:ph type="sldNum" sz="quarter" idx="12"/>
+          </p:nvPr>
+        </p:nvSpPr>
+        <p:spPr/>
+        <p:txBody>
+          <a:bodyPr/>
+          <a:lstStyle/>
+          <a:p>
+            <a:fld id="{C36F78AB-A412-4397-BF67-F53EDE62B361}" type="slidenum">
+              <a:rPr lang="en-US" smtClean="0"/>
+              <a:t>14</a:t>
+            </a:fld>
+            <a:endParaRPr lang="en-US"/>
+          </a:p>
+        </p:txBody>
+      </p:sp>
+      <p:sp>
+        <p:nvSpPr>
+          <p:cNvPr id="5" name="TextBox 4"/>
+          <p:cNvSpPr txBox="1"/>
+          <p:nvPr/>
+        </p:nvSpPr>
+        <p:spPr>
+          <a:xfrm>
+            <a:off x="662240" y="965199"/>
+            <a:ext cx="10976482" cy="2585323"/>
+          </a:xfrm>
+          <a:prstGeom prst="rect">
+            <a:avLst/>
+          </a:prstGeom>
+          <a:noFill/>
+        </p:spPr>
+        <p:txBody>
+          <a:bodyPr wrap="square" rtlCol="0">
+            <a:spAutoFit/>
+          </a:bodyPr>
+          <a:lstStyle/>
+          <a:p>
+            <a:pPr marL="285750" indent="-285750">
+              <a:buClr>
+                <a:schemeClr val="accent1">
+                  <a:lumMod val="50000"/>
+                </a:schemeClr>
+              </a:buClr>
+              <a:buFont typeface="Wingdings" panose="05000000000000000000" pitchFamily="2" charset="2"/>
+              <a:buChar char="Ø"/>
+            </a:pPr>
+            <a:r>
+              <a:rPr lang="en-US" dirty="0" smtClean="0"/>
+              <a:t>Use </a:t>
+            </a:r>
+            <a:r>
+              <a:rPr lang="en-US" dirty="0" err="1" smtClean="0"/>
+              <a:t>api</a:t>
+            </a:r>
+            <a:r>
+              <a:rPr lang="en-US" dirty="0" smtClean="0"/>
+              <a:t> </a:t>
+            </a:r>
+            <a:r>
+              <a:rPr lang="en-US" dirty="0"/>
+              <a:t>from </a:t>
+            </a:r>
+            <a:r>
+              <a:rPr lang="en-US" dirty="0">
+                <a:hlinkClick r:id="rId2"/>
+              </a:rPr>
+              <a:t>https://</a:t>
+            </a:r>
+            <a:r>
+              <a:rPr lang="en-US" dirty="0" smtClean="0">
+                <a:hlinkClick r:id="rId2"/>
+              </a:rPr>
+              <a:t>openweathermap.org/current</a:t>
+            </a:r>
+            <a:r>
+              <a:rPr lang="en-US" dirty="0" smtClean="0"/>
+              <a:t>, create a weather page with search box is city name.</a:t>
+            </a:r>
+          </a:p>
+          <a:p>
+            <a:pPr marL="285750" indent="-285750">
+              <a:buClr>
+                <a:schemeClr val="accent1">
+                  <a:lumMod val="50000"/>
+                </a:schemeClr>
+              </a:buClr>
+              <a:buFont typeface="Wingdings" panose="05000000000000000000" pitchFamily="2" charset="2"/>
+              <a:buChar char="Ø"/>
+            </a:pPr>
+            <a:r>
+              <a:rPr lang="en-US" dirty="0" smtClean="0"/>
+              <a:t>Display </a:t>
+            </a:r>
+            <a:r>
+              <a:rPr lang="en-US" dirty="0"/>
+              <a:t>weather information base </a:t>
+            </a:r>
+            <a:r>
+              <a:rPr lang="en-US" dirty="0" err="1" smtClean="0"/>
+              <a:t>CurrentPosition</a:t>
+            </a:r>
+            <a:r>
+              <a:rPr lang="en-US" dirty="0" smtClean="0"/>
+              <a:t>.</a:t>
+            </a:r>
+          </a:p>
+          <a:p>
+            <a:pPr marL="285750" indent="-285750">
+              <a:buClr>
+                <a:schemeClr val="accent1">
+                  <a:lumMod val="50000"/>
+                </a:schemeClr>
+              </a:buClr>
+              <a:buFont typeface="Wingdings" panose="05000000000000000000" pitchFamily="2" charset="2"/>
+              <a:buChar char="Ø"/>
+            </a:pPr>
+            <a:r>
+              <a:rPr lang="en-US" dirty="0" smtClean="0"/>
+              <a:t>Apply PWA:</a:t>
+            </a:r>
+          </a:p>
+          <a:p>
+            <a:pPr marL="800100" lvl="1" indent="-342900">
+              <a:buClr>
+                <a:schemeClr val="accent1">
+                  <a:lumMod val="50000"/>
+                </a:schemeClr>
+              </a:buClr>
+              <a:buFont typeface="Wingdings" panose="05000000000000000000" pitchFamily="2" charset="2"/>
+              <a:buChar char="§"/>
+            </a:pPr>
+            <a:r>
+              <a:rPr lang="en-US" dirty="0" smtClean="0"/>
+              <a:t>Install (PC desktop) or Add to Home Screen(A2HS mobile).</a:t>
+            </a:r>
+          </a:p>
+          <a:p>
+            <a:pPr marL="800100" lvl="1" indent="-342900">
+              <a:buClr>
+                <a:schemeClr val="accent1">
+                  <a:lumMod val="50000"/>
+                </a:schemeClr>
+              </a:buClr>
+              <a:buFont typeface="Wingdings" panose="05000000000000000000" pitchFamily="2" charset="2"/>
+              <a:buChar char="§"/>
+            </a:pPr>
+            <a:r>
+              <a:rPr lang="en-US" dirty="0" smtClean="0"/>
+              <a:t>Run offline (with the previous result).</a:t>
+            </a:r>
+          </a:p>
+          <a:p>
+            <a:pPr marL="800100" lvl="1" indent="-342900">
+              <a:buClr>
+                <a:schemeClr val="accent1">
+                  <a:lumMod val="50000"/>
+                </a:schemeClr>
+              </a:buClr>
+              <a:buFont typeface="Wingdings" panose="05000000000000000000" pitchFamily="2" charset="2"/>
+              <a:buChar char="§"/>
+            </a:pPr>
+            <a:r>
+              <a:rPr lang="en-US" dirty="0" smtClean="0"/>
+              <a:t>Notification and display weather information for a new city name that is input from web-push server.</a:t>
+            </a:r>
+          </a:p>
+          <a:p>
+            <a:pPr marL="800100" lvl="1" indent="-342900">
+              <a:buClr>
+                <a:schemeClr val="accent1">
+                  <a:lumMod val="50000"/>
+                </a:schemeClr>
+              </a:buClr>
+              <a:buFont typeface="Wingdings" panose="05000000000000000000" pitchFamily="2" charset="2"/>
+              <a:buChar char="§"/>
+            </a:pPr>
+            <a:endParaRPr lang="en-US" dirty="0" smtClean="0"/>
+          </a:p>
+          <a:p>
+            <a:pPr marL="800100" lvl="1" indent="-342900">
+              <a:buClr>
+                <a:schemeClr val="accent1">
+                  <a:lumMod val="50000"/>
+                </a:schemeClr>
+              </a:buClr>
+              <a:buFont typeface="Wingdings" panose="05000000000000000000" pitchFamily="2" charset="2"/>
+              <a:buChar char="§"/>
+            </a:pPr>
+            <a:endParaRPr lang="en-US" dirty="0" smtClean="0"/>
+          </a:p>
+          <a:p>
+            <a:pPr marL="285750" indent="-285750">
+              <a:buFont typeface="Wingdings" panose="05000000000000000000" pitchFamily="2" charset="2"/>
+              <a:buChar char="Ø"/>
+            </a:pPr>
+            <a:endParaRPr lang="en-US" dirty="0"/>
+          </a:p>
+        </p:txBody>
+      </p:sp>
+      <p:pic>
+        <p:nvPicPr>
+          <p:cNvPr id="6" name="Picture 5"/>
+          <p:cNvPicPr>
+            <a:picLocks noChangeAspect="1"/>
+          </p:cNvPicPr>
+          <p:nvPr/>
+        </p:nvPicPr>
+        <p:blipFill>
+          <a:blip r:embed="rId3"/>
+          <a:stretch>
+            <a:fillRect/>
+          </a:stretch>
+        </p:blipFill>
+        <p:spPr>
+          <a:xfrm>
+            <a:off x="1149257" y="2852599"/>
+            <a:ext cx="9791700" cy="3838575"/>
+          </a:xfrm>
+          <a:prstGeom prst="rect">
+            <a:avLst/>
+          </a:prstGeom>
+          <a:ln w="38100" cap="sq">
+            <a:solidFill>
+              <a:srgbClr val="000000"/>
+            </a:solidFill>
+            <a:prstDash val="solid"/>
+            <a:miter lim="800000"/>
+          </a:ln>
+          <a:effectLst>
+            <a:outerShdw blurRad="50800" dist="38100" dir="2700000" algn="tl" rotWithShape="0">
+              <a:srgbClr val="000000">
+                <a:alpha val="43000"/>
+              </a:srgbClr>
+            </a:outerShdw>
+          </a:effectLst>
+        </p:spPr>
+      </p:pic>
+    </p:spTree>
+    <p:extLst>
+      <p:ext uri="{BB962C8B-B14F-4D97-AF65-F5344CB8AC3E}">
+        <p14:creationId xmlns:p14="http://schemas.microsoft.com/office/powerpoint/2010/main" val="1634804792"/>
+      </p:ext>
+    </p:extLst>
+  </p:cSld>
+  <p:clrMapOvr>
+    <a:masterClrMapping/>
+  </p:clrMapOvr>
+  <p:timing>
+    <p:tnLst>
+      <p:par>
+        <p:cTn id="1" dur="indefinite" restart="never" nodeType="tmRoot"/>
+      </p:par>
+    </p:tnLst>
+  </p:timing>
+</p:sld>
+</file>
+
+<file path=ppt/slides/slide15.xml><?xml version="1.0" encoding="utf-8"?>
+<p:sld xmlns:a="http://schemas.openxmlformats.org/drawingml/2006/main" xmlns:r="http://schemas.openxmlformats.org/officeDocument/2006/relationships" xmlns:p="http://schemas.openxmlformats.org/presentationml/2006/main">
+  <p:cSld>
+    <p:spTree>
+      <p:nvGrpSpPr>
+        <p:cNvPr id="1" name=""/>
+        <p:cNvGrpSpPr/>
+        <p:nvPr/>
+      </p:nvGrpSpPr>
+      <p:grpSpPr>
+        <a:xfrm>
+          <a:off x="0" y="0"/>
+          <a:ext cx="0" cy="0"/>
+          <a:chOff x="0" y="0"/>
+          <a:chExt cx="0" cy="0"/>
+        </a:xfrm>
+      </p:grpSpPr>
+      <p:sp>
+        <p:nvSpPr>
           <p:cNvPr id="2" name="Slide Number Placeholder 1"/>
           <p:cNvSpPr>
             <a:spLocks noGrp="1"/>
@@ -11402,7 +11720,7 @@
           <a:p>
             <a:fld id="{C36F78AB-A412-4397-BF67-F53EDE62B361}" type="slidenum">
               <a:rPr lang="en-US" smtClean="0"/>
-              <a:t>14</a:t>
+              <a:t>15</a:t>
             </a:fld>
             <a:endParaRPr lang="en-US"/>
           </a:p>
@@ -12521,7 +12839,7 @@
 </p:sld>
 </file>
 
-<file path=ppt/slides/slide15.xml><?xml version="1.0" encoding="utf-8"?>
+<file path=ppt/slides/slide16.xml><?xml version="1.0" encoding="utf-8"?>
 <p:sld xmlns:a="http://schemas.openxmlformats.org/drawingml/2006/main" xmlns:r="http://schemas.openxmlformats.org/officeDocument/2006/relationships" xmlns:p="http://schemas.openxmlformats.org/presentationml/2006/main">
   <p:cSld>
     <p:spTree>
@@ -12555,7 +12873,7 @@
           <a:p>
             <a:fld id="{C36F78AB-A412-4397-BF67-F53EDE62B361}" type="slidenum">
               <a:rPr lang="en-US" smtClean="0"/>
-              <a:t>15</a:t>
+              <a:t>16</a:t>
             </a:fld>
             <a:endParaRPr lang="en-US"/>
           </a:p>
